--- a/Graph Matching.pptx
+++ b/Graph Matching.pptx
@@ -8,9 +8,10 @@
     <p:sldId id="256" r:id="rId2"/>
     <p:sldId id="257" r:id="rId3"/>
     <p:sldId id="261" r:id="rId4"/>
-    <p:sldId id="258" r:id="rId5"/>
-    <p:sldId id="259" r:id="rId6"/>
-    <p:sldId id="260" r:id="rId7"/>
+    <p:sldId id="262" r:id="rId5"/>
+    <p:sldId id="258" r:id="rId6"/>
+    <p:sldId id="259" r:id="rId7"/>
+    <p:sldId id="260" r:id="rId8"/>
   </p:sldIdLst>
   <p:sldSz cx="9144000" cy="6858000" type="letter"/>
   <p:notesSz cx="6858000" cy="9144000"/>
@@ -248,7 +249,7 @@
           <a:p>
             <a:fld id="{F23201B6-BEB0-B745-9702-BFC1377839E0}" type="datetimeFigureOut">
               <a:rPr lang="en-US" smtClean="0"/>
-              <a:t>10/25/16</a:t>
+              <a:t>11/18/16</a:t>
             </a:fld>
             <a:endParaRPr lang="en-US"/>
           </a:p>
@@ -418,7 +419,7 @@
           <a:p>
             <a:fld id="{F23201B6-BEB0-B745-9702-BFC1377839E0}" type="datetimeFigureOut">
               <a:rPr lang="en-US" smtClean="0"/>
-              <a:t>10/25/16</a:t>
+              <a:t>11/18/16</a:t>
             </a:fld>
             <a:endParaRPr lang="en-US"/>
           </a:p>
@@ -598,7 +599,7 @@
           <a:p>
             <a:fld id="{F23201B6-BEB0-B745-9702-BFC1377839E0}" type="datetimeFigureOut">
               <a:rPr lang="en-US" smtClean="0"/>
-              <a:t>10/25/16</a:t>
+              <a:t>11/18/16</a:t>
             </a:fld>
             <a:endParaRPr lang="en-US"/>
           </a:p>
@@ -772,7 +773,7 @@
           <a:p>
             <a:fld id="{F23201B6-BEB0-B745-9702-BFC1377839E0}" type="datetimeFigureOut">
               <a:rPr lang="en-US" smtClean="0"/>
-              <a:t>10/25/16</a:t>
+              <a:t>11/18/16</a:t>
             </a:fld>
             <a:endParaRPr lang="en-US"/>
           </a:p>
@@ -1016,7 +1017,7 @@
           <a:p>
             <a:fld id="{F23201B6-BEB0-B745-9702-BFC1377839E0}" type="datetimeFigureOut">
               <a:rPr lang="en-US" smtClean="0"/>
-              <a:t>10/25/16</a:t>
+              <a:t>11/18/16</a:t>
             </a:fld>
             <a:endParaRPr lang="en-US"/>
           </a:p>
@@ -1248,7 +1249,7 @@
           <a:p>
             <a:fld id="{F23201B6-BEB0-B745-9702-BFC1377839E0}" type="datetimeFigureOut">
               <a:rPr lang="en-US" smtClean="0"/>
-              <a:t>10/25/16</a:t>
+              <a:t>11/18/16</a:t>
             </a:fld>
             <a:endParaRPr lang="en-US"/>
           </a:p>
@@ -1615,7 +1616,7 @@
           <a:p>
             <a:fld id="{F23201B6-BEB0-B745-9702-BFC1377839E0}" type="datetimeFigureOut">
               <a:rPr lang="en-US" smtClean="0"/>
-              <a:t>10/25/16</a:t>
+              <a:t>11/18/16</a:t>
             </a:fld>
             <a:endParaRPr lang="en-US"/>
           </a:p>
@@ -1733,7 +1734,7 @@
           <a:p>
             <a:fld id="{F23201B6-BEB0-B745-9702-BFC1377839E0}" type="datetimeFigureOut">
               <a:rPr lang="en-US" smtClean="0"/>
-              <a:t>10/25/16</a:t>
+              <a:t>11/18/16</a:t>
             </a:fld>
             <a:endParaRPr lang="en-US"/>
           </a:p>
@@ -1828,7 +1829,7 @@
           <a:p>
             <a:fld id="{F23201B6-BEB0-B745-9702-BFC1377839E0}" type="datetimeFigureOut">
               <a:rPr lang="en-US" smtClean="0"/>
-              <a:t>10/25/16</a:t>
+              <a:t>11/18/16</a:t>
             </a:fld>
             <a:endParaRPr lang="en-US"/>
           </a:p>
@@ -2105,7 +2106,7 @@
           <a:p>
             <a:fld id="{F23201B6-BEB0-B745-9702-BFC1377839E0}" type="datetimeFigureOut">
               <a:rPr lang="en-US" smtClean="0"/>
-              <a:t>10/25/16</a:t>
+              <a:t>11/18/16</a:t>
             </a:fld>
             <a:endParaRPr lang="en-US"/>
           </a:p>
@@ -2362,7 +2363,7 @@
           <a:p>
             <a:fld id="{F23201B6-BEB0-B745-9702-BFC1377839E0}" type="datetimeFigureOut">
               <a:rPr lang="en-US" smtClean="0"/>
-              <a:t>10/25/16</a:t>
+              <a:t>11/18/16</a:t>
             </a:fld>
             <a:endParaRPr lang="en-US"/>
           </a:p>
@@ -2579,7 +2580,7 @@
             <a:fld id="{F23201B6-BEB0-B745-9702-BFC1377839E0}" type="datetimeFigureOut">
               <a:rPr lang="en-US" smtClean="0"/>
               <a:pPr/>
-              <a:t>10/25/16</a:t>
+              <a:t>11/18/16</a:t>
             </a:fld>
             <a:endParaRPr lang="en-US"/>
           </a:p>
@@ -4976,8 +4977,8 @@
           </a:p>
         </p:txBody>
       </p:sp>
-      <mc:AlternateContent xmlns:mc="http://schemas.openxmlformats.org/markup-compatibility/2006">
-        <mc:Choice xmlns:a14="http://schemas.microsoft.com/office/drawing/2010/main" Requires="a14">
+      <mc:AlternateContent xmlns:mc="http://schemas.openxmlformats.org/markup-compatibility/2006" xmlns:a14="http://schemas.microsoft.com/office/drawing/2010/main">
+        <mc:Choice Requires="a14">
           <p:sp>
             <p:nvSpPr>
               <p:cNvPr id="3" name="Content Placeholder 2"/>
@@ -5059,7 +5060,7 @@
             </p:txBody>
           </p:sp>
         </mc:Choice>
-        <mc:Fallback>
+        <mc:Fallback xmlns="">
           <p:sp>
             <p:nvSpPr>
               <p:cNvPr id="3" name="Content Placeholder 2"/>
@@ -5097,8 +5098,8 @@
           </p:sp>
         </mc:Fallback>
       </mc:AlternateContent>
-      <mc:AlternateContent xmlns:mc="http://schemas.openxmlformats.org/markup-compatibility/2006">
-        <mc:Choice xmlns:a14="http://schemas.microsoft.com/office/drawing/2010/main" Requires="a14">
+      <mc:AlternateContent xmlns:mc="http://schemas.openxmlformats.org/markup-compatibility/2006" xmlns:a14="http://schemas.microsoft.com/office/drawing/2010/main">
+        <mc:Choice Requires="a14">
           <p:sp>
             <p:nvSpPr>
               <p:cNvPr id="4" name="Rectangle 3"/>
@@ -5684,7 +5685,7 @@
             </p:txBody>
           </p:sp>
         </mc:Choice>
-        <mc:Fallback>
+        <mc:Fallback xmlns="">
           <p:sp>
             <p:nvSpPr>
               <p:cNvPr id="4" name="Rectangle 3"/>
@@ -5723,8 +5724,8 @@
           </p:sp>
         </mc:Fallback>
       </mc:AlternateContent>
-      <mc:AlternateContent xmlns:mc="http://schemas.openxmlformats.org/markup-compatibility/2006">
-        <mc:Choice xmlns:a14="http://schemas.microsoft.com/office/drawing/2010/main" Requires="a14">
+      <mc:AlternateContent xmlns:mc="http://schemas.openxmlformats.org/markup-compatibility/2006" xmlns:a14="http://schemas.microsoft.com/office/drawing/2010/main">
+        <mc:Choice Requires="a14">
           <p:sp>
             <p:nvSpPr>
               <p:cNvPr id="7" name="Rectangle 6"/>
@@ -5899,7 +5900,7 @@
             </p:txBody>
           </p:sp>
         </mc:Choice>
-        <mc:Fallback>
+        <mc:Fallback xmlns="">
           <p:sp>
             <p:nvSpPr>
               <p:cNvPr id="7" name="Rectangle 6"/>
@@ -5938,8 +5939,8 @@
           </p:sp>
         </mc:Fallback>
       </mc:AlternateContent>
-      <mc:AlternateContent xmlns:mc="http://schemas.openxmlformats.org/markup-compatibility/2006">
-        <mc:Choice xmlns:a14="http://schemas.microsoft.com/office/drawing/2010/main" Requires="a14">
+      <mc:AlternateContent xmlns:mc="http://schemas.openxmlformats.org/markup-compatibility/2006" xmlns:a14="http://schemas.microsoft.com/office/drawing/2010/main">
+        <mc:Choice Requires="a14">
           <p:sp>
             <p:nvSpPr>
               <p:cNvPr id="8" name="Rectangle 7"/>
@@ -6047,7 +6048,7 @@
             </p:txBody>
           </p:sp>
         </mc:Choice>
-        <mc:Fallback>
+        <mc:Fallback xmlns="">
           <p:sp>
             <p:nvSpPr>
               <p:cNvPr id="8" name="Rectangle 7"/>
@@ -6086,8 +6087,8 @@
           </p:sp>
         </mc:Fallback>
       </mc:AlternateContent>
-      <mc:AlternateContent xmlns:mc="http://schemas.openxmlformats.org/markup-compatibility/2006">
-        <mc:Choice xmlns:a14="http://schemas.microsoft.com/office/drawing/2010/main" Requires="a14">
+      <mc:AlternateContent xmlns:mc="http://schemas.openxmlformats.org/markup-compatibility/2006" xmlns:a14="http://schemas.microsoft.com/office/drawing/2010/main">
+        <mc:Choice Requires="a14">
           <p:sp>
             <p:nvSpPr>
               <p:cNvPr id="5" name="Rectangle 4"/>
@@ -6188,7 +6189,7 @@
             </p:txBody>
           </p:sp>
         </mc:Choice>
-        <mc:Fallback>
+        <mc:Fallback xmlns="">
           <p:sp>
             <p:nvSpPr>
               <p:cNvPr id="5" name="Rectangle 4"/>
@@ -6227,8 +6228,8 @@
           </p:sp>
         </mc:Fallback>
       </mc:AlternateContent>
-      <mc:AlternateContent xmlns:mc="http://schemas.openxmlformats.org/markup-compatibility/2006">
-        <mc:Choice xmlns:a14="http://schemas.microsoft.com/office/drawing/2010/main" Requires="a14">
+      <mc:AlternateContent xmlns:mc="http://schemas.openxmlformats.org/markup-compatibility/2006" xmlns:a14="http://schemas.microsoft.com/office/drawing/2010/main">
+        <mc:Choice Requires="a14">
           <p:sp>
             <p:nvSpPr>
               <p:cNvPr id="10" name="Rectangle 9"/>
@@ -6277,7 +6278,7 @@
             </p:txBody>
           </p:sp>
         </mc:Choice>
-        <mc:Fallback>
+        <mc:Fallback xmlns="">
           <p:sp>
             <p:nvSpPr>
               <p:cNvPr id="10" name="Rectangle 9"/>
@@ -6354,8 +6355,8 @@
           </a:p>
         </p:txBody>
       </p:sp>
-      <mc:AlternateContent xmlns:mc="http://schemas.openxmlformats.org/markup-compatibility/2006">
-        <mc:Choice xmlns:a14="http://schemas.microsoft.com/office/drawing/2010/main" Requires="a14">
+      <mc:AlternateContent xmlns:mc="http://schemas.openxmlformats.org/markup-compatibility/2006" xmlns:a14="http://schemas.microsoft.com/office/drawing/2010/main">
+        <mc:Choice Requires="a14">
           <p:sp>
             <p:nvSpPr>
               <p:cNvPr id="13" name="Rectangle 12"/>
@@ -6512,7 +6513,7 @@
             </p:txBody>
           </p:sp>
         </mc:Choice>
-        <mc:Fallback>
+        <mc:Fallback xmlns="">
           <p:sp>
             <p:nvSpPr>
               <p:cNvPr id="13" name="Rectangle 12"/>
@@ -6677,8 +6678,8 @@
           </a:p>
         </p:txBody>
       </p:sp>
-      <mc:AlternateContent xmlns:mc="http://schemas.openxmlformats.org/markup-compatibility/2006">
-        <mc:Choice xmlns:a14="http://schemas.microsoft.com/office/drawing/2010/main" Requires="a14">
+      <mc:AlternateContent xmlns:mc="http://schemas.openxmlformats.org/markup-compatibility/2006" xmlns:a14="http://schemas.microsoft.com/office/drawing/2010/main">
+        <mc:Choice Requires="a14">
           <p:sp>
             <p:nvSpPr>
               <p:cNvPr id="15" name="Rectangle 14"/>
@@ -6816,7 +6817,7 @@
             </p:txBody>
           </p:sp>
         </mc:Choice>
-        <mc:Fallback>
+        <mc:Fallback xmlns="">
           <p:sp>
             <p:nvSpPr>
               <p:cNvPr id="15" name="Rectangle 14"/>
@@ -6855,8 +6856,8 @@
           </p:sp>
         </mc:Fallback>
       </mc:AlternateContent>
-      <mc:AlternateContent xmlns:mc="http://schemas.openxmlformats.org/markup-compatibility/2006">
-        <mc:Choice xmlns:a14="http://schemas.microsoft.com/office/drawing/2010/main" Requires="a14">
+      <mc:AlternateContent xmlns:mc="http://schemas.openxmlformats.org/markup-compatibility/2006" xmlns:a14="http://schemas.microsoft.com/office/drawing/2010/main">
+        <mc:Choice Requires="a14">
           <p:sp>
             <p:nvSpPr>
               <p:cNvPr id="16" name="Rectangle 15"/>
@@ -7002,7 +7003,7 @@
             </p:txBody>
           </p:sp>
         </mc:Choice>
-        <mc:Fallback>
+        <mc:Fallback xmlns="">
           <p:sp>
             <p:nvSpPr>
               <p:cNvPr id="16" name="Rectangle 15"/>
@@ -7041,8 +7042,8 @@
           </p:sp>
         </mc:Fallback>
       </mc:AlternateContent>
-      <mc:AlternateContent xmlns:mc="http://schemas.openxmlformats.org/markup-compatibility/2006">
-        <mc:Choice xmlns:a14="http://schemas.microsoft.com/office/drawing/2010/main" Requires="a14">
+      <mc:AlternateContent xmlns:mc="http://schemas.openxmlformats.org/markup-compatibility/2006" xmlns:a14="http://schemas.microsoft.com/office/drawing/2010/main">
+        <mc:Choice Requires="a14">
           <p:sp>
             <p:nvSpPr>
               <p:cNvPr id="17" name="Rectangle 16"/>
@@ -7188,7 +7189,7 @@
             </p:txBody>
           </p:sp>
         </mc:Choice>
-        <mc:Fallback>
+        <mc:Fallback xmlns="">
           <p:sp>
             <p:nvSpPr>
               <p:cNvPr id="17" name="Rectangle 16"/>
@@ -7227,8 +7228,8 @@
           </p:sp>
         </mc:Fallback>
       </mc:AlternateContent>
-      <mc:AlternateContent xmlns:mc="http://schemas.openxmlformats.org/markup-compatibility/2006">
-        <mc:Choice xmlns:a14="http://schemas.microsoft.com/office/drawing/2010/main" Requires="a14">
+      <mc:AlternateContent xmlns:mc="http://schemas.openxmlformats.org/markup-compatibility/2006" xmlns:a14="http://schemas.microsoft.com/office/drawing/2010/main">
+        <mc:Choice Requires="a14">
           <p:sp>
             <p:nvSpPr>
               <p:cNvPr id="19" name="Rectangle 18"/>
@@ -7334,7 +7335,7 @@
             </p:txBody>
           </p:sp>
         </mc:Choice>
-        <mc:Fallback>
+        <mc:Fallback xmlns="">
           <p:sp>
             <p:nvSpPr>
               <p:cNvPr id="19" name="Rectangle 18"/>
@@ -7373,8 +7374,8 @@
           </p:sp>
         </mc:Fallback>
       </mc:AlternateContent>
-      <mc:AlternateContent xmlns:mc="http://schemas.openxmlformats.org/markup-compatibility/2006">
-        <mc:Choice xmlns:a14="http://schemas.microsoft.com/office/drawing/2010/main" Requires="a14">
+      <mc:AlternateContent xmlns:mc="http://schemas.openxmlformats.org/markup-compatibility/2006" xmlns:a14="http://schemas.microsoft.com/office/drawing/2010/main">
+        <mc:Choice Requires="a14">
           <p:sp>
             <p:nvSpPr>
               <p:cNvPr id="20" name="Rectangle 19"/>
@@ -7480,7 +7481,7 @@
             </p:txBody>
           </p:sp>
         </mc:Choice>
-        <mc:Fallback>
+        <mc:Fallback xmlns="">
           <p:sp>
             <p:nvSpPr>
               <p:cNvPr id="20" name="Rectangle 19"/>
@@ -7519,8 +7520,8 @@
           </p:sp>
         </mc:Fallback>
       </mc:AlternateContent>
-      <mc:AlternateContent xmlns:mc="http://schemas.openxmlformats.org/markup-compatibility/2006">
-        <mc:Choice xmlns:a14="http://schemas.microsoft.com/office/drawing/2010/main" Requires="a14">
+      <mc:AlternateContent xmlns:mc="http://schemas.openxmlformats.org/markup-compatibility/2006" xmlns:a14="http://schemas.microsoft.com/office/drawing/2010/main">
+        <mc:Choice Requires="a14">
           <p:sp>
             <p:nvSpPr>
               <p:cNvPr id="22" name="Rectangle 21"/>
@@ -7551,7 +7552,7 @@
                             <a:solidFill>
                               <a:srgbClr val="FF0000"/>
                             </a:solidFill>
-                            <a:latin typeface="+mj-lt"/>
+                            <a:latin typeface="Cambria Math" charset="0"/>
                           </a:rPr>
                         </m:ctrlPr>
                       </m:sSubPr>
@@ -7561,7 +7562,7 @@
                             <a:solidFill>
                               <a:srgbClr val="FF0000"/>
                             </a:solidFill>
-                            <a:latin typeface="+mj-lt"/>
+                            <a:latin typeface="Cambria Math" charset="0"/>
                           </a:rPr>
                           <m:t>𝑀</m:t>
                         </m:r>
@@ -7572,7 +7573,7 @@
                             <a:solidFill>
                               <a:srgbClr val="FF0000"/>
                             </a:solidFill>
-                            <a:latin typeface="+mj-lt"/>
+                            <a:latin typeface="Cambria Math" charset="0"/>
                           </a:rPr>
                           <m:t>𝑎𝑖</m:t>
                         </m:r>
@@ -7596,7 +7597,7 @@
                         <a:solidFill>
                           <a:srgbClr val="FF0000"/>
                         </a:solidFill>
-                        <a:latin typeface="+mj-lt"/>
+                        <a:latin typeface="Cambria Math" charset="0"/>
                         <a:ea typeface="Cambria Math" charset="0"/>
                         <a:cs typeface="Cambria Math" charset="0"/>
                       </a:rPr>
@@ -7607,7 +7608,7 @@
                         <a:solidFill>
                           <a:srgbClr val="FF0000"/>
                         </a:solidFill>
-                        <a:latin typeface="+mj-lt"/>
+                        <a:latin typeface="Cambria Math" charset="0"/>
                         <a:ea typeface="Cambria Math" charset="0"/>
                         <a:cs typeface="Cambria Math" charset="0"/>
                       </a:rPr>
@@ -7618,7 +7619,7 @@
                         <a:solidFill>
                           <a:srgbClr val="FF0000"/>
                         </a:solidFill>
-                        <a:latin typeface="+mj-lt"/>
+                        <a:latin typeface="Cambria Math" charset="0"/>
                         <a:ea typeface="Cambria Math" charset="0"/>
                         <a:cs typeface="Cambria Math" charset="0"/>
                       </a:rPr>
@@ -7680,7 +7681,7 @@
             </p:txBody>
           </p:sp>
         </mc:Choice>
-        <mc:Fallback>
+        <mc:Fallback xmlns="">
           <p:sp>
             <p:nvSpPr>
               <p:cNvPr id="22" name="Rectangle 21"/>
@@ -7719,8 +7720,8 @@
           </p:sp>
         </mc:Fallback>
       </mc:AlternateContent>
-      <mc:AlternateContent xmlns:mc="http://schemas.openxmlformats.org/markup-compatibility/2006">
-        <mc:Choice xmlns:a14="http://schemas.microsoft.com/office/drawing/2010/main" Requires="a14">
+      <mc:AlternateContent xmlns:mc="http://schemas.openxmlformats.org/markup-compatibility/2006" xmlns:a14="http://schemas.microsoft.com/office/drawing/2010/main">
+        <mc:Choice Requires="a14">
           <p:sp>
             <p:nvSpPr>
               <p:cNvPr id="23" name="Rectangle 22"/>
@@ -7751,7 +7752,7 @@
                             <a:solidFill>
                               <a:srgbClr val="FF0000"/>
                             </a:solidFill>
-                            <a:latin typeface="+mj-lt"/>
+                            <a:latin typeface="Cambria Math" charset="0"/>
                           </a:rPr>
                         </m:ctrlPr>
                       </m:sSubPr>
@@ -7761,7 +7762,7 @@
                             <a:solidFill>
                               <a:srgbClr val="FF0000"/>
                             </a:solidFill>
-                            <a:latin typeface="+mj-lt"/>
+                            <a:latin typeface="Cambria Math" charset="0"/>
                           </a:rPr>
                           <m:t>𝑀</m:t>
                         </m:r>
@@ -7772,7 +7773,7 @@
                             <a:solidFill>
                               <a:srgbClr val="FF0000"/>
                             </a:solidFill>
-                            <a:latin typeface="+mj-lt"/>
+                            <a:latin typeface="Cambria Math" charset="0"/>
                           </a:rPr>
                           <m:t>𝑎𝑖</m:t>
                         </m:r>
@@ -7796,7 +7797,7 @@
                         <a:solidFill>
                           <a:srgbClr val="FF0000"/>
                         </a:solidFill>
-                        <a:latin typeface="+mj-lt"/>
+                        <a:latin typeface="Cambria Math" charset="0"/>
                         <a:ea typeface="Cambria Math" charset="0"/>
                         <a:cs typeface="Cambria Math" charset="0"/>
                       </a:rPr>
@@ -7807,7 +7808,7 @@
                         <a:solidFill>
                           <a:srgbClr val="FF0000"/>
                         </a:solidFill>
-                        <a:latin typeface="+mj-lt"/>
+                        <a:latin typeface="Cambria Math" charset="0"/>
                         <a:ea typeface="Cambria Math" charset="0"/>
                         <a:cs typeface="Cambria Math" charset="0"/>
                       </a:rPr>
@@ -7818,7 +7819,7 @@
                         <a:solidFill>
                           <a:srgbClr val="FF0000"/>
                         </a:solidFill>
-                        <a:latin typeface="+mj-lt"/>
+                        <a:latin typeface="Cambria Math" charset="0"/>
                         <a:ea typeface="Cambria Math" charset="0"/>
                         <a:cs typeface="Cambria Math" charset="0"/>
                       </a:rPr>
@@ -7829,7 +7830,7 @@
                         <a:solidFill>
                           <a:srgbClr val="FF0000"/>
                         </a:solidFill>
-                        <a:latin typeface="+mj-lt"/>
+                        <a:latin typeface="Cambria Math" charset="0"/>
                         <a:ea typeface="Cambria Math" charset="0"/>
                         <a:cs typeface="Cambria Math" charset="0"/>
                       </a:rPr>
@@ -7840,7 +7841,7 @@
                         <a:solidFill>
                           <a:srgbClr val="FF0000"/>
                         </a:solidFill>
-                        <a:latin typeface="+mj-lt"/>
+                        <a:latin typeface="Cambria Math" charset="0"/>
                         <a:ea typeface="Cambria Math" charset="0"/>
                         <a:cs typeface="Cambria Math" charset="0"/>
                       </a:rPr>
@@ -7851,7 +7852,7 @@
                         <a:solidFill>
                           <a:srgbClr val="FF0000"/>
                         </a:solidFill>
-                        <a:latin typeface="+mj-lt"/>
+                        <a:latin typeface="Cambria Math" charset="0"/>
                         <a:ea typeface="Cambria Math" charset="0"/>
                         <a:cs typeface="Cambria Math" charset="0"/>
                       </a:rPr>
@@ -7862,7 +7863,7 @@
                         <a:solidFill>
                           <a:srgbClr val="FF0000"/>
                         </a:solidFill>
-                        <a:latin typeface="+mj-lt"/>
+                        <a:latin typeface="Cambria Math" charset="0"/>
                         <a:ea typeface="Cambria Math" charset="0"/>
                         <a:cs typeface="Cambria Math" charset="0"/>
                       </a:rPr>
@@ -7880,7 +7881,7 @@
             </p:txBody>
           </p:sp>
         </mc:Choice>
-        <mc:Fallback>
+        <mc:Fallback xmlns="">
           <p:sp>
             <p:nvSpPr>
               <p:cNvPr id="23" name="Rectangle 22"/>
@@ -7933,6 +7934,627 @@
 </file>
 
 <file path=ppt/slides/slide4.xml><?xml version="1.0" encoding="utf-8"?>
+<p:sld xmlns:a="http://schemas.openxmlformats.org/drawingml/2006/main" xmlns:r="http://schemas.openxmlformats.org/officeDocument/2006/relationships" xmlns:p="http://schemas.openxmlformats.org/presentationml/2006/main">
+  <p:cSld>
+    <p:spTree>
+      <p:nvGrpSpPr>
+        <p:cNvPr id="1" name=""/>
+        <p:cNvGrpSpPr/>
+        <p:nvPr/>
+      </p:nvGrpSpPr>
+      <p:grpSpPr>
+        <a:xfrm>
+          <a:off x="0" y="0"/>
+          <a:ext cx="0" cy="0"/>
+          <a:chOff x="0" y="0"/>
+          <a:chExt cx="0" cy="0"/>
+        </a:xfrm>
+      </p:grpSpPr>
+      <p:sp>
+        <p:nvSpPr>
+          <p:cNvPr id="2" name="Title 1"/>
+          <p:cNvSpPr>
+            <a:spLocks noGrp="1"/>
+          </p:cNvSpPr>
+          <p:nvPr>
+            <p:ph type="title"/>
+          </p:nvPr>
+        </p:nvSpPr>
+        <p:spPr/>
+        <p:txBody>
+          <a:bodyPr/>
+          <a:lstStyle/>
+          <a:p>
+            <a:r>
+              <a:rPr lang="en-US" dirty="0" smtClean="0">
+                <a:solidFill>
+                  <a:srgbClr val="FF0000"/>
+                </a:solidFill>
+              </a:rPr>
+              <a:t>New</a:t>
+            </a:r>
+            <a:r>
+              <a:rPr lang="en-US" dirty="0" smtClean="0"/>
+              <a:t> Mathematic Formulation</a:t>
+            </a:r>
+            <a:endParaRPr lang="en-US" dirty="0"/>
+          </a:p>
+        </p:txBody>
+      </p:sp>
+      <mc:AlternateContent xmlns:mc="http://schemas.openxmlformats.org/markup-compatibility/2006" xmlns:a14="http://schemas.microsoft.com/office/drawing/2010/main">
+        <mc:Choice Requires="a14">
+          <p:sp>
+            <p:nvSpPr>
+              <p:cNvPr id="3" name="Content Placeholder 2"/>
+              <p:cNvSpPr>
+                <a:spLocks noGrp="1"/>
+              </p:cNvSpPr>
+              <p:nvPr>
+                <p:ph idx="1"/>
+              </p:nvPr>
+            </p:nvSpPr>
+            <p:spPr>
+              <a:xfrm>
+                <a:off x="628650" y="1569564"/>
+                <a:ext cx="8033029" cy="532789"/>
+              </a:xfrm>
+            </p:spPr>
+            <p:txBody>
+              <a:bodyPr>
+                <a:normAutofit fontScale="92500"/>
+              </a:bodyPr>
+              <a:lstStyle/>
+              <a:p>
+                <a:pPr marL="0" indent="0">
+                  <a:buNone/>
+                </a:pPr>
+                <a:r>
+                  <a:rPr lang="en-US" dirty="0" smtClean="0"/>
+                  <a:t>The energy of matching two ARGs </a:t>
+                </a:r>
+                <a14:m>
+                  <m:oMath xmlns:m="http://schemas.openxmlformats.org/officeDocument/2006/math">
+                    <m:r>
+                      <a:rPr lang="en-US" b="0" i="1" smtClean="0">
+                        <a:latin typeface="Cambria Math" charset="0"/>
+                      </a:rPr>
+                      <m:t>𝐺</m:t>
+                    </m:r>
+                  </m:oMath>
+                </a14:m>
+                <a:r>
+                  <a:rPr lang="en-US" dirty="0" smtClean="0"/>
+                  <a:t> and </a:t>
+                </a:r>
+                <a14:m>
+                  <m:oMath xmlns:m="http://schemas.openxmlformats.org/officeDocument/2006/math">
+                    <m:sSup>
+                      <m:sSupPr>
+                        <m:ctrlPr>
+                          <a:rPr lang="en-US" b="0" i="1" smtClean="0">
+                            <a:latin typeface="Cambria Math" charset="0"/>
+                          </a:rPr>
+                        </m:ctrlPr>
+                      </m:sSupPr>
+                      <m:e>
+                        <m:r>
+                          <a:rPr lang="en-US" i="1">
+                            <a:latin typeface="Cambria Math" charset="0"/>
+                          </a:rPr>
+                          <m:t>𝐺</m:t>
+                        </m:r>
+                      </m:e>
+                      <m:sup>
+                        <m:r>
+                          <a:rPr lang="en-US" b="0" i="1" smtClean="0">
+                            <a:latin typeface="Cambria Math" charset="0"/>
+                          </a:rPr>
+                          <m:t>′</m:t>
+                        </m:r>
+                      </m:sup>
+                    </m:sSup>
+                  </m:oMath>
+                </a14:m>
+                <a:r>
+                  <a:rPr lang="en-US" dirty="0" smtClean="0"/>
+                  <a:t> is defined as</a:t>
+                </a:r>
+                <a:endParaRPr lang="en-US" dirty="0"/>
+              </a:p>
+            </p:txBody>
+          </p:sp>
+        </mc:Choice>
+        <mc:Fallback xmlns="">
+          <p:sp>
+            <p:nvSpPr>
+              <p:cNvPr id="3" name="Content Placeholder 2"/>
+              <p:cNvSpPr>
+                <a:spLocks noGrp="1" noRot="1" noChangeAspect="1" noMove="1" noResize="1" noEditPoints="1" noAdjustHandles="1" noChangeArrowheads="1" noChangeShapeType="1" noTextEdit="1"/>
+              </p:cNvSpPr>
+              <p:nvPr>
+                <p:ph idx="1"/>
+              </p:nvPr>
+            </p:nvSpPr>
+            <p:spPr>
+              <a:xfrm>
+                <a:off x="628650" y="1569564"/>
+                <a:ext cx="8033029" cy="532789"/>
+              </a:xfrm>
+              <a:blipFill rotWithShape="0">
+                <a:blip r:embed="rId2"/>
+                <a:stretch>
+                  <a:fillRect l="-1366" t="-17045" b="-13636"/>
+                </a:stretch>
+              </a:blipFill>
+            </p:spPr>
+            <p:txBody>
+              <a:bodyPr/>
+              <a:lstStyle/>
+              <a:p>
+                <a:r>
+                  <a:rPr lang="en-US">
+                    <a:noFill/>
+                  </a:rPr>
+                  <a:t> </a:t>
+                </a:r>
+              </a:p>
+            </p:txBody>
+          </p:sp>
+        </mc:Fallback>
+      </mc:AlternateContent>
+      <mc:AlternateContent xmlns:mc="http://schemas.openxmlformats.org/markup-compatibility/2006">
+        <mc:Choice xmlns:a14="http://schemas.microsoft.com/office/drawing/2010/main" Requires="a14">
+          <p:sp>
+            <p:nvSpPr>
+              <p:cNvPr id="4" name="Rectangle 3"/>
+              <p:cNvSpPr/>
+              <p:nvPr/>
+            </p:nvSpPr>
+            <p:spPr>
+              <a:xfrm>
+                <a:off x="555984" y="2214811"/>
+                <a:ext cx="8323229" cy="731611"/>
+              </a:xfrm>
+              <a:prstGeom prst="rect">
+                <a:avLst/>
+              </a:prstGeom>
+            </p:spPr>
+            <p:txBody>
+              <a:bodyPr wrap="square">
+                <a:spAutoFit/>
+              </a:bodyPr>
+              <a:lstStyle/>
+              <a:p>
+                <a:pPr algn="ctr"/>
+                <a14:m>
+                  <m:oMath xmlns:m="http://schemas.openxmlformats.org/officeDocument/2006/math">
+                    <m:f>
+                      <m:fPr>
+                        <m:ctrlPr>
+                          <a:rPr lang="mr-IN" sz="2400" b="0" i="1" smtClean="0">
+                            <a:latin typeface="Cambria Math" charset="0"/>
+                          </a:rPr>
+                        </m:ctrlPr>
+                      </m:fPr>
+                      <m:num>
+                        <m:r>
+                          <m:rPr>
+                            <m:sty m:val="p"/>
+                          </m:rPr>
+                          <a:rPr lang="mr-IN" sz="2400" b="0" i="0" smtClean="0">
+                            <a:latin typeface="Cambria Math" charset="0"/>
+                          </a:rPr>
+                          <m:t>Δ</m:t>
+                        </m:r>
+                        <m:r>
+                          <a:rPr lang="en-US" sz="2400" i="1">
+                            <a:latin typeface="Cambria Math" charset="0"/>
+                          </a:rPr>
+                          <m:t>𝐸</m:t>
+                        </m:r>
+                        <m:d>
+                          <m:dPr>
+                            <m:ctrlPr>
+                              <a:rPr lang="en-US" sz="2400" i="1">
+                                <a:latin typeface="Cambria Math" charset="0"/>
+                              </a:rPr>
+                            </m:ctrlPr>
+                          </m:dPr>
+                          <m:e>
+                            <m:r>
+                              <a:rPr lang="en-US" sz="2400" i="1">
+                                <a:latin typeface="Cambria Math" charset="0"/>
+                              </a:rPr>
+                              <m:t>𝐺</m:t>
+                            </m:r>
+                            <m:r>
+                              <a:rPr lang="en-US" sz="2400" i="1">
+                                <a:latin typeface="Cambria Math" charset="0"/>
+                              </a:rPr>
+                              <m:t>,</m:t>
+                            </m:r>
+                            <m:sSup>
+                              <m:sSupPr>
+                                <m:ctrlPr>
+                                  <a:rPr lang="en-US" sz="2400" i="1">
+                                    <a:latin typeface="Cambria Math" charset="0"/>
+                                  </a:rPr>
+                                </m:ctrlPr>
+                              </m:sSupPr>
+                              <m:e>
+                                <m:r>
+                                  <a:rPr lang="en-US" sz="2400" i="1">
+                                    <a:latin typeface="Cambria Math" charset="0"/>
+                                  </a:rPr>
+                                  <m:t>𝐺</m:t>
+                                </m:r>
+                              </m:e>
+                              <m:sup>
+                                <m:r>
+                                  <a:rPr lang="en-US" sz="2400" i="1">
+                                    <a:latin typeface="Cambria Math" charset="0"/>
+                                  </a:rPr>
+                                  <m:t>′</m:t>
+                                </m:r>
+                              </m:sup>
+                            </m:sSup>
+                            <m:r>
+                              <a:rPr lang="en-US" sz="2400" i="1">
+                                <a:latin typeface="Cambria Math" charset="0"/>
+                              </a:rPr>
+                              <m:t>,</m:t>
+                            </m:r>
+                            <m:r>
+                              <a:rPr lang="en-US" sz="2400" i="1">
+                                <a:latin typeface="Cambria Math" charset="0"/>
+                              </a:rPr>
+                              <m:t>𝑀</m:t>
+                            </m:r>
+                          </m:e>
+                        </m:d>
+                      </m:num>
+                      <m:den>
+                        <m:r>
+                          <m:rPr>
+                            <m:sty m:val="p"/>
+                          </m:rPr>
+                          <a:rPr lang="mr-IN" sz="2400" b="0" i="0" smtClean="0">
+                            <a:latin typeface="Cambria Math" charset="0"/>
+                          </a:rPr>
+                          <m:t>Δ</m:t>
+                        </m:r>
+                        <m:sSub>
+                          <m:sSubPr>
+                            <m:ctrlPr>
+                              <a:rPr lang="en-US" sz="2400" b="0" i="1" smtClean="0">
+                                <a:latin typeface="Cambria Math" charset="0"/>
+                              </a:rPr>
+                            </m:ctrlPr>
+                          </m:sSubPr>
+                          <m:e>
+                            <m:r>
+                              <a:rPr lang="en-US" sz="2400" b="0" i="1" smtClean="0">
+                                <a:latin typeface="Cambria Math" charset="0"/>
+                              </a:rPr>
+                              <m:t>𝑀</m:t>
+                            </m:r>
+                          </m:e>
+                          <m:sub>
+                            <m:r>
+                              <a:rPr lang="en-US" sz="2400" b="0" i="1" smtClean="0">
+                                <a:latin typeface="Cambria Math" charset="0"/>
+                              </a:rPr>
+                              <m:t>𝑎𝑖</m:t>
+                            </m:r>
+                          </m:sub>
+                        </m:sSub>
+                      </m:den>
+                    </m:f>
+                    <m:r>
+                      <a:rPr lang="en-US" sz="2400" b="0" i="1" smtClean="0">
+                        <a:latin typeface="Cambria Math" charset="0"/>
+                      </a:rPr>
+                      <m:t>=−</m:t>
+                    </m:r>
+                    <m:nary>
+                      <m:naryPr>
+                        <m:chr m:val="∑"/>
+                        <m:ctrlPr>
+                          <a:rPr lang="is-IS" sz="2400" b="0" i="1" smtClean="0">
+                            <a:latin typeface="Cambria Math" charset="0"/>
+                          </a:rPr>
+                        </m:ctrlPr>
+                      </m:naryPr>
+                      <m:sub>
+                        <m:r>
+                          <m:rPr>
+                            <m:brk m:alnAt="23"/>
+                          </m:rPr>
+                          <a:rPr lang="en-US" sz="2400" b="0" i="1" smtClean="0">
+                            <a:latin typeface="Cambria Math" charset="0"/>
+                          </a:rPr>
+                          <m:t>𝑏</m:t>
+                        </m:r>
+                        <m:r>
+                          <a:rPr lang="en-US" sz="2400" b="0" i="1" smtClean="0">
+                            <a:latin typeface="Cambria Math" charset="0"/>
+                          </a:rPr>
+                          <m:t>∈</m:t>
+                        </m:r>
+                        <m:r>
+                          <m:rPr>
+                            <m:sty m:val="p"/>
+                          </m:rPr>
+                          <a:rPr lang="en-US" sz="2400" b="0" i="1" smtClean="0">
+                            <a:latin typeface="Cambria Math" charset="0"/>
+                          </a:rPr>
+                          <m:t>G</m:t>
+                        </m:r>
+                        <m:r>
+                          <a:rPr lang="en-US" sz="2400" b="0" i="1" smtClean="0">
+                            <a:latin typeface="Cambria Math" charset="0"/>
+                          </a:rPr>
+                          <m:t> </m:t>
+                        </m:r>
+                      </m:sub>
+                      <m:sup/>
+                      <m:e>
+                        <m:nary>
+                          <m:naryPr>
+                            <m:chr m:val="∑"/>
+                            <m:ctrlPr>
+                              <a:rPr lang="is-IS" sz="2400" b="0" i="1" smtClean="0">
+                                <a:latin typeface="Cambria Math" charset="0"/>
+                              </a:rPr>
+                            </m:ctrlPr>
+                          </m:naryPr>
+                          <m:sub>
+                            <m:r>
+                              <m:rPr>
+                                <m:brk m:alnAt="23"/>
+                              </m:rPr>
+                              <a:rPr lang="en-US" sz="2400" b="0" i="1" smtClean="0">
+                                <a:latin typeface="Cambria Math" charset="0"/>
+                              </a:rPr>
+                              <m:t>𝑗</m:t>
+                            </m:r>
+                            <m:r>
+                              <a:rPr lang="en-US" sz="2400" b="0" i="1" smtClean="0">
+                                <a:latin typeface="Cambria Math" charset="0"/>
+                              </a:rPr>
+                              <m:t>∈</m:t>
+                            </m:r>
+                            <m:sSup>
+                              <m:sSupPr>
+                                <m:ctrlPr>
+                                  <a:rPr lang="en-US" sz="2400" b="0" i="1" smtClean="0">
+                                    <a:latin typeface="Cambria Math" charset="0"/>
+                                  </a:rPr>
+                                </m:ctrlPr>
+                              </m:sSupPr>
+                              <m:e>
+                                <m:r>
+                                  <a:rPr lang="en-US" sz="2400" b="0" i="1" smtClean="0">
+                                    <a:latin typeface="Cambria Math" charset="0"/>
+                                  </a:rPr>
+                                  <m:t>𝐺</m:t>
+                                </m:r>
+                              </m:e>
+                              <m:sup>
+                                <m:r>
+                                  <a:rPr lang="en-US" sz="2400" b="0" i="1" smtClean="0">
+                                    <a:latin typeface="Cambria Math" charset="0"/>
+                                  </a:rPr>
+                                  <m:t>′</m:t>
+                                </m:r>
+                              </m:sup>
+                            </m:sSup>
+                          </m:sub>
+                          <m:sup/>
+                          <m:e>
+                            <m:sSub>
+                              <m:sSubPr>
+                                <m:ctrlPr>
+                                  <a:rPr lang="en-US" sz="2400" b="0" i="1" smtClean="0">
+                                    <a:latin typeface="Cambria Math" charset="0"/>
+                                  </a:rPr>
+                                </m:ctrlPr>
+                              </m:sSubPr>
+                              <m:e>
+                                <m:r>
+                                  <a:rPr lang="en-US" sz="2400" b="0" i="1" smtClean="0">
+                                    <a:latin typeface="Cambria Math" charset="0"/>
+                                  </a:rPr>
+                                  <m:t>𝑀</m:t>
+                                </m:r>
+                              </m:e>
+                              <m:sub>
+                                <m:r>
+                                  <a:rPr lang="en-US" sz="2400" b="0" i="1" smtClean="0">
+                                    <a:latin typeface="Cambria Math" charset="0"/>
+                                  </a:rPr>
+                                  <m:t>𝑏𝑗</m:t>
+                                </m:r>
+                              </m:sub>
+                            </m:sSub>
+                            <m:r>
+                              <a:rPr lang="en-US" sz="2400" b="0" i="1" smtClean="0">
+                                <a:latin typeface="Cambria Math" charset="0"/>
+                              </a:rPr>
+                              <m:t>𝐶</m:t>
+                            </m:r>
+                            <m:r>
+                              <a:rPr lang="en-US" sz="2400" b="0" i="1" smtClean="0">
+                                <a:latin typeface="Cambria Math" charset="0"/>
+                              </a:rPr>
+                              <m:t>(</m:t>
+                            </m:r>
+                            <m:r>
+                              <a:rPr lang="en-US" sz="2400" b="0" i="1" smtClean="0">
+                                <a:latin typeface="Cambria Math" charset="0"/>
+                              </a:rPr>
+                              <m:t>𝑎</m:t>
+                            </m:r>
+                            <m:r>
+                              <a:rPr lang="en-US" sz="2400" b="0" i="1" smtClean="0">
+                                <a:latin typeface="Cambria Math" charset="0"/>
+                                <a:ea typeface="Cambria Math" charset="0"/>
+                                <a:cs typeface="Cambria Math" charset="0"/>
+                              </a:rPr>
+                              <m:t>↔</m:t>
+                            </m:r>
+                            <m:r>
+                              <a:rPr lang="en-US" sz="2400" b="0" i="1" smtClean="0">
+                                <a:latin typeface="Cambria Math" charset="0"/>
+                              </a:rPr>
+                              <m:t>𝑖</m:t>
+                            </m:r>
+                            <m:r>
+                              <a:rPr lang="en-US" sz="2400" b="0" i="1" smtClean="0">
+                                <a:latin typeface="Cambria Math" charset="0"/>
+                              </a:rPr>
+                              <m:t>,</m:t>
+                            </m:r>
+                            <m:r>
+                              <a:rPr lang="en-US" sz="2400" b="0" i="1" smtClean="0">
+                                <a:latin typeface="Cambria Math" charset="0"/>
+                              </a:rPr>
+                              <m:t>𝑏</m:t>
+                            </m:r>
+                            <m:r>
+                              <a:rPr lang="en-US" sz="2400" b="0" i="1" smtClean="0">
+                                <a:latin typeface="Cambria Math" charset="0"/>
+                                <a:ea typeface="Cambria Math" charset="0"/>
+                                <a:cs typeface="Cambria Math" charset="0"/>
+                              </a:rPr>
+                              <m:t>↔</m:t>
+                            </m:r>
+                            <m:r>
+                              <a:rPr lang="en-US" sz="2400" b="0" i="1" smtClean="0">
+                                <a:latin typeface="Cambria Math" charset="0"/>
+                              </a:rPr>
+                              <m:t>𝑗</m:t>
+                            </m:r>
+                            <m:r>
+                              <a:rPr lang="en-US" sz="2400" b="0" i="1" smtClean="0">
+                                <a:latin typeface="Cambria Math" charset="0"/>
+                              </a:rPr>
+                              <m:t>)</m:t>
+                            </m:r>
+                          </m:e>
+                        </m:nary>
+                      </m:e>
+                    </m:nary>
+                    <m:r>
+                      <a:rPr lang="en-US" sz="2400" b="0" i="1" smtClean="0">
+                        <a:latin typeface="Cambria Math" charset="0"/>
+                      </a:rPr>
+                      <m:t>−</m:t>
+                    </m:r>
+                    <m:r>
+                      <a:rPr lang="en-US" sz="2400" i="1">
+                        <a:latin typeface="Cambria Math" charset="0"/>
+                        <a:ea typeface="Cambria Math" charset="0"/>
+                        <a:cs typeface="Cambria Math" charset="0"/>
+                      </a:rPr>
+                      <m:t>𝛼</m:t>
+                    </m:r>
+                    <m:r>
+                      <a:rPr lang="en-US" sz="2400" i="1">
+                        <a:latin typeface="Cambria Math" charset="0"/>
+                      </a:rPr>
+                      <m:t>𝐶</m:t>
+                    </m:r>
+                    <m:r>
+                      <a:rPr lang="en-US" sz="2400" i="1">
+                        <a:latin typeface="Cambria Math" charset="0"/>
+                      </a:rPr>
+                      <m:t>(</m:t>
+                    </m:r>
+                    <m:r>
+                      <a:rPr lang="en-US" sz="2400" i="1">
+                        <a:latin typeface="Cambria Math" charset="0"/>
+                      </a:rPr>
+                      <m:t>𝑎</m:t>
+                    </m:r>
+                    <m:r>
+                      <a:rPr lang="en-US" sz="2400" i="1">
+                        <a:latin typeface="Cambria Math" charset="0"/>
+                        <a:ea typeface="Cambria Math" charset="0"/>
+                        <a:cs typeface="Cambria Math" charset="0"/>
+                      </a:rPr>
+                      <m:t>↔</m:t>
+                    </m:r>
+                    <m:r>
+                      <a:rPr lang="en-US" sz="2400" i="1">
+                        <a:latin typeface="Cambria Math" charset="0"/>
+                      </a:rPr>
+                      <m:t>𝑖</m:t>
+                    </m:r>
+                  </m:oMath>
+                </a14:m>
+                <a:r>
+                  <a:rPr lang="en-US" sz="2400" dirty="0" smtClean="0"/>
+                  <a:t>)</a:t>
+                </a:r>
+                <a:endParaRPr lang="en-US" sz="2400" dirty="0"/>
+              </a:p>
+            </p:txBody>
+          </p:sp>
+        </mc:Choice>
+        <mc:Fallback>
+          <p:sp>
+            <p:nvSpPr>
+              <p:cNvPr id="4" name="Rectangle 3"/>
+              <p:cNvSpPr>
+                <a:spLocks noRot="1" noChangeAspect="1" noMove="1" noResize="1" noEditPoints="1" noAdjustHandles="1" noChangeArrowheads="1" noChangeShapeType="1" noTextEdit="1"/>
+              </p:cNvSpPr>
+              <p:nvPr/>
+            </p:nvSpPr>
+            <p:spPr>
+              <a:xfrm>
+                <a:off x="555984" y="2214811"/>
+                <a:ext cx="8323229" cy="731611"/>
+              </a:xfrm>
+              <a:prstGeom prst="rect">
+                <a:avLst/>
+              </a:prstGeom>
+              <a:blipFill rotWithShape="0">
+                <a:blip r:embed="rId3"/>
+                <a:stretch>
+                  <a:fillRect b="-833"/>
+                </a:stretch>
+              </a:blipFill>
+            </p:spPr>
+            <p:txBody>
+              <a:bodyPr/>
+              <a:lstStyle/>
+              <a:p>
+                <a:r>
+                  <a:rPr lang="en-US">
+                    <a:noFill/>
+                  </a:rPr>
+                  <a:t> </a:t>
+                </a:r>
+              </a:p>
+            </p:txBody>
+          </p:sp>
+        </mc:Fallback>
+      </mc:AlternateContent>
+    </p:spTree>
+    <p:extLst>
+      <p:ext uri="{BB962C8B-B14F-4D97-AF65-F5344CB8AC3E}">
+        <p14:creationId xmlns:p14="http://schemas.microsoft.com/office/powerpoint/2010/main" val="902388181"/>
+      </p:ext>
+    </p:extLst>
+  </p:cSld>
+  <p:clrMapOvr>
+    <a:masterClrMapping/>
+  </p:clrMapOvr>
+</p:sld>
+</file>
+
+<file path=ppt/slides/slide5.xml><?xml version="1.0" encoding="utf-8"?>
 <p:sld xmlns:a="http://schemas.openxmlformats.org/drawingml/2006/main" xmlns:r="http://schemas.openxmlformats.org/officeDocument/2006/relationships" xmlns:p="http://schemas.openxmlformats.org/presentationml/2006/main">
   <p:cSld>
     <p:spTree>
@@ -8953,7 +9575,7 @@
 </p:sld>
 </file>
 
-<file path=ppt/slides/slide5.xml><?xml version="1.0" encoding="utf-8"?>
+<file path=ppt/slides/slide6.xml><?xml version="1.0" encoding="utf-8"?>
 <p:sld xmlns:a="http://schemas.openxmlformats.org/drawingml/2006/main" xmlns:r="http://schemas.openxmlformats.org/officeDocument/2006/relationships" xmlns:p="http://schemas.openxmlformats.org/presentationml/2006/main">
   <p:cSld>
     <p:spTree>
@@ -10384,7 +11006,7 @@
 </p:sld>
 </file>
 
-<file path=ppt/slides/slide6.xml><?xml version="1.0" encoding="utf-8"?>
+<file path=ppt/slides/slide7.xml><?xml version="1.0" encoding="utf-8"?>
 <p:sld xmlns:a="http://schemas.openxmlformats.org/drawingml/2006/main" xmlns:r="http://schemas.openxmlformats.org/officeDocument/2006/relationships" xmlns:p="http://schemas.openxmlformats.org/presentationml/2006/main">
   <p:cSld>
     <p:spTree>
